--- a/integracao/SKU to VTEXADMIN to SITE.pptx
+++ b/integracao/SKU to VTEXADMIN to SITE.pptx
@@ -5605,7 +5605,7 @@
           <p:nvPr/>
         </p:nvSpPr>
         <p:spPr>
-          <a:xfrm rot="-5460000">
+          <a:xfrm rot="16200000">
             <a:off x="-2204550" y="2818262"/>
             <a:ext cx="5732409" cy="1200329"/>
           </a:xfrm>
@@ -8583,7 +8583,7 @@
           <p:nvPr/>
         </p:nvSpPr>
         <p:spPr>
-          <a:xfrm rot="-5460000">
+          <a:xfrm rot="16200000">
             <a:off x="-2413424" y="2715426"/>
             <a:ext cx="6169691" cy="1200329"/>
           </a:xfrm>
@@ -8604,7 +8604,7 @@
                   <a:srgbClr val="5B9BD5"/>
                 </a:solidFill>
               </a:rPr>
-              <a:t>ERP COMPLETO</a:t>
+              <a:t>ERP CATALOGO</a:t>
             </a:r>
             <a:endParaRPr lang="en-US" sz="7200" dirty="0">
               <a:solidFill>
@@ -13126,7 +13126,7 @@
           <p:nvPr/>
         </p:nvSpPr>
         <p:spPr>
-          <a:xfrm rot="-5460000">
+          <a:xfrm rot="16200000">
             <a:off x="-1826706" y="2898924"/>
             <a:ext cx="5002661" cy="1200329"/>
           </a:xfrm>
@@ -14595,7 +14595,7 @@
           <p:nvPr/>
         </p:nvSpPr>
         <p:spPr>
-          <a:xfrm rot="-5460000">
+          <a:xfrm rot="16200000">
             <a:off x="-2336966" y="2734548"/>
             <a:ext cx="6017443" cy="1200329"/>
           </a:xfrm>
@@ -15570,7 +15570,7 @@
           <p:nvPr/>
         </p:nvSpPr>
         <p:spPr>
-          <a:xfrm rot="-5460000">
+          <a:xfrm rot="16200000">
             <a:off x="-964828" y="2692691"/>
             <a:ext cx="3271707" cy="1200329"/>
           </a:xfrm>

--- a/integracao/SKU to VTEXADMIN to SITE.pptx
+++ b/integracao/SKU to VTEXADMIN to SITE.pptx
@@ -114,7 +114,7 @@
   </p:defaultTextStyle>
   <p:extLst>
     <p:ext uri="{EFAFB233-063F-42B5-8137-9DF3F51BA10A}">
-      <p15:sldGuideLst xmlns="" xmlns:p15="http://schemas.microsoft.com/office/powerpoint/2012/main"/>
+      <p15:sldGuideLst xmlns:p15="http://schemas.microsoft.com/office/powerpoint/2012/main" xmlns=""/>
     </p:ext>
   </p:extLst>
 </p:presentation>
@@ -203,7 +203,7 @@
             <a:fld id="{C4ADB47E-E962-47A6-A424-6C5C29F7C662}" type="datetimeFigureOut">
               <a:rPr lang="en-US"/>
               <a:pPr/>
-              <a:t>11/3/2014</a:t>
+              <a:t>11/5/2014</a:t>
             </a:fld>
             <a:endParaRPr lang="en-US"/>
           </a:p>
@@ -371,7 +371,7 @@
     </p:spTree>
     <p:extLst>
       <p:ext uri="{BB962C8B-B14F-4D97-AF65-F5344CB8AC3E}">
-        <p14:creationId xmlns="" xmlns:p14="http://schemas.microsoft.com/office/powerpoint/2010/main" val="734493671"/>
+        <p14:creationId xmlns:p14="http://schemas.microsoft.com/office/powerpoint/2010/main" xmlns="" val="734493671"/>
       </p:ext>
     </p:extLst>
   </p:cSld>
@@ -546,7 +546,7 @@
     </p:spTree>
     <p:extLst>
       <p:ext uri="{BB962C8B-B14F-4D97-AF65-F5344CB8AC3E}">
-        <p14:creationId xmlns="" xmlns:p14="http://schemas.microsoft.com/office/powerpoint/2010/main" val="2573548436"/>
+        <p14:creationId xmlns:p14="http://schemas.microsoft.com/office/powerpoint/2010/main" xmlns="" val="2573548436"/>
       </p:ext>
     </p:extLst>
   </p:cSld>
@@ -631,7 +631,7 @@
     </p:spTree>
     <p:extLst>
       <p:ext uri="{BB962C8B-B14F-4D97-AF65-F5344CB8AC3E}">
-        <p14:creationId xmlns="" xmlns:p14="http://schemas.microsoft.com/office/powerpoint/2010/main" val="2312861466"/>
+        <p14:creationId xmlns:p14="http://schemas.microsoft.com/office/powerpoint/2010/main" xmlns="" val="2312861466"/>
       </p:ext>
     </p:extLst>
   </p:cSld>
@@ -716,7 +716,7 @@
     </p:spTree>
     <p:extLst>
       <p:ext uri="{BB962C8B-B14F-4D97-AF65-F5344CB8AC3E}">
-        <p14:creationId xmlns="" xmlns:p14="http://schemas.microsoft.com/office/powerpoint/2010/main" val="2312861466"/>
+        <p14:creationId xmlns:p14="http://schemas.microsoft.com/office/powerpoint/2010/main" xmlns="" val="2312861466"/>
       </p:ext>
     </p:extLst>
   </p:cSld>
@@ -801,7 +801,7 @@
     </p:spTree>
     <p:extLst>
       <p:ext uri="{BB962C8B-B14F-4D97-AF65-F5344CB8AC3E}">
-        <p14:creationId xmlns="" xmlns:p14="http://schemas.microsoft.com/office/powerpoint/2010/main" val="3493063176"/>
+        <p14:creationId xmlns:p14="http://schemas.microsoft.com/office/powerpoint/2010/main" xmlns="" val="3493063176"/>
       </p:ext>
     </p:extLst>
   </p:cSld>
@@ -886,7 +886,7 @@
     </p:spTree>
     <p:extLst>
       <p:ext uri="{BB962C8B-B14F-4D97-AF65-F5344CB8AC3E}">
-        <p14:creationId xmlns="" xmlns:p14="http://schemas.microsoft.com/office/powerpoint/2010/main" val="3977470003"/>
+        <p14:creationId xmlns:p14="http://schemas.microsoft.com/office/powerpoint/2010/main" xmlns="" val="3977470003"/>
       </p:ext>
     </p:extLst>
   </p:cSld>
@@ -971,7 +971,7 @@
     </p:spTree>
     <p:extLst>
       <p:ext uri="{BB962C8B-B14F-4D97-AF65-F5344CB8AC3E}">
-        <p14:creationId xmlns="" xmlns:p14="http://schemas.microsoft.com/office/powerpoint/2010/main" val="2312861466"/>
+        <p14:creationId xmlns:p14="http://schemas.microsoft.com/office/powerpoint/2010/main" xmlns="" val="2312861466"/>
       </p:ext>
     </p:extLst>
   </p:cSld>
@@ -1113,7 +1113,7 @@
             <a:fld id="{F1FA7AC5-6045-4418-8E60-F48788734473}" type="datetimeFigureOut">
               <a:rPr lang="en-US" smtClean="0"/>
               <a:pPr/>
-              <a:t>11/3/2014</a:t>
+              <a:t>11/5/2014</a:t>
             </a:fld>
             <a:endParaRPr lang="en-US"/>
           </a:p>
@@ -1165,7 +1165,7 @@
     </p:spTree>
     <p:extLst>
       <p:ext uri="{BB962C8B-B14F-4D97-AF65-F5344CB8AC3E}">
-        <p14:creationId xmlns="" xmlns:p14="http://schemas.microsoft.com/office/powerpoint/2010/main" val="508168537"/>
+        <p14:creationId xmlns:p14="http://schemas.microsoft.com/office/powerpoint/2010/main" xmlns="" val="508168537"/>
       </p:ext>
     </p:extLst>
   </p:cSld>
@@ -1285,7 +1285,7 @@
             <a:fld id="{F1FA7AC5-6045-4418-8E60-F48788734473}" type="datetimeFigureOut">
               <a:rPr lang="en-US" smtClean="0"/>
               <a:pPr/>
-              <a:t>11/3/2014</a:t>
+              <a:t>11/5/2014</a:t>
             </a:fld>
             <a:endParaRPr lang="en-US"/>
           </a:p>
@@ -1337,7 +1337,7 @@
     </p:spTree>
     <p:extLst>
       <p:ext uri="{BB962C8B-B14F-4D97-AF65-F5344CB8AC3E}">
-        <p14:creationId xmlns="" xmlns:p14="http://schemas.microsoft.com/office/powerpoint/2010/main" val="613236000"/>
+        <p14:creationId xmlns:p14="http://schemas.microsoft.com/office/powerpoint/2010/main" xmlns="" val="613236000"/>
       </p:ext>
     </p:extLst>
   </p:cSld>
@@ -1467,7 +1467,7 @@
             <a:fld id="{F1FA7AC5-6045-4418-8E60-F48788734473}" type="datetimeFigureOut">
               <a:rPr lang="en-US" smtClean="0"/>
               <a:pPr/>
-              <a:t>11/3/2014</a:t>
+              <a:t>11/5/2014</a:t>
             </a:fld>
             <a:endParaRPr lang="en-US"/>
           </a:p>
@@ -1519,7 +1519,7 @@
     </p:spTree>
     <p:extLst>
       <p:ext uri="{BB962C8B-B14F-4D97-AF65-F5344CB8AC3E}">
-        <p14:creationId xmlns="" xmlns:p14="http://schemas.microsoft.com/office/powerpoint/2010/main" val="2660566950"/>
+        <p14:creationId xmlns:p14="http://schemas.microsoft.com/office/powerpoint/2010/main" xmlns="" val="2660566950"/>
       </p:ext>
     </p:extLst>
   </p:cSld>
@@ -1639,7 +1639,7 @@
             <a:fld id="{F1FA7AC5-6045-4418-8E60-F48788734473}" type="datetimeFigureOut">
               <a:rPr lang="en-US" smtClean="0"/>
               <a:pPr/>
-              <a:t>11/3/2014</a:t>
+              <a:t>11/5/2014</a:t>
             </a:fld>
             <a:endParaRPr lang="en-US"/>
           </a:p>
@@ -1691,7 +1691,7 @@
     </p:spTree>
     <p:extLst>
       <p:ext uri="{BB962C8B-B14F-4D97-AF65-F5344CB8AC3E}">
-        <p14:creationId xmlns="" xmlns:p14="http://schemas.microsoft.com/office/powerpoint/2010/main" val="3386326818"/>
+        <p14:creationId xmlns:p14="http://schemas.microsoft.com/office/powerpoint/2010/main" xmlns="" val="3386326818"/>
       </p:ext>
     </p:extLst>
   </p:cSld>
@@ -1887,7 +1887,7 @@
             <a:fld id="{F1FA7AC5-6045-4418-8E60-F48788734473}" type="datetimeFigureOut">
               <a:rPr lang="en-US" smtClean="0"/>
               <a:pPr/>
-              <a:t>11/3/2014</a:t>
+              <a:t>11/5/2014</a:t>
             </a:fld>
             <a:endParaRPr lang="en-US"/>
           </a:p>
@@ -1939,7 +1939,7 @@
     </p:spTree>
     <p:extLst>
       <p:ext uri="{BB962C8B-B14F-4D97-AF65-F5344CB8AC3E}">
-        <p14:creationId xmlns="" xmlns:p14="http://schemas.microsoft.com/office/powerpoint/2010/main" val="1875206763"/>
+        <p14:creationId xmlns:p14="http://schemas.microsoft.com/office/powerpoint/2010/main" xmlns="" val="1875206763"/>
       </p:ext>
     </p:extLst>
   </p:cSld>
@@ -2121,7 +2121,7 @@
             <a:fld id="{F1FA7AC5-6045-4418-8E60-F48788734473}" type="datetimeFigureOut">
               <a:rPr lang="en-US" smtClean="0"/>
               <a:pPr/>
-              <a:t>11/3/2014</a:t>
+              <a:t>11/5/2014</a:t>
             </a:fld>
             <a:endParaRPr lang="en-US"/>
           </a:p>
@@ -2173,7 +2173,7 @@
     </p:spTree>
     <p:extLst>
       <p:ext uri="{BB962C8B-B14F-4D97-AF65-F5344CB8AC3E}">
-        <p14:creationId xmlns="" xmlns:p14="http://schemas.microsoft.com/office/powerpoint/2010/main" val="3401293223"/>
+        <p14:creationId xmlns:p14="http://schemas.microsoft.com/office/powerpoint/2010/main" xmlns="" val="3401293223"/>
       </p:ext>
     </p:extLst>
   </p:cSld>
@@ -2490,7 +2490,7 @@
             <a:fld id="{F1FA7AC5-6045-4418-8E60-F48788734473}" type="datetimeFigureOut">
               <a:rPr lang="en-US" smtClean="0"/>
               <a:pPr/>
-              <a:t>11/3/2014</a:t>
+              <a:t>11/5/2014</a:t>
             </a:fld>
             <a:endParaRPr lang="en-US"/>
           </a:p>
@@ -2542,7 +2542,7 @@
     </p:spTree>
     <p:extLst>
       <p:ext uri="{BB962C8B-B14F-4D97-AF65-F5344CB8AC3E}">
-        <p14:creationId xmlns="" xmlns:p14="http://schemas.microsoft.com/office/powerpoint/2010/main" val="3056490410"/>
+        <p14:creationId xmlns:p14="http://schemas.microsoft.com/office/powerpoint/2010/main" xmlns="" val="3056490410"/>
       </p:ext>
     </p:extLst>
   </p:cSld>
@@ -2610,7 +2610,7 @@
             <a:fld id="{F1FA7AC5-6045-4418-8E60-F48788734473}" type="datetimeFigureOut">
               <a:rPr lang="en-US" smtClean="0"/>
               <a:pPr/>
-              <a:t>11/3/2014</a:t>
+              <a:t>11/5/2014</a:t>
             </a:fld>
             <a:endParaRPr lang="en-US"/>
           </a:p>
@@ -2662,7 +2662,7 @@
     </p:spTree>
     <p:extLst>
       <p:ext uri="{BB962C8B-B14F-4D97-AF65-F5344CB8AC3E}">
-        <p14:creationId xmlns="" xmlns:p14="http://schemas.microsoft.com/office/powerpoint/2010/main" val="3573976379"/>
+        <p14:creationId xmlns:p14="http://schemas.microsoft.com/office/powerpoint/2010/main" xmlns="" val="3573976379"/>
       </p:ext>
     </p:extLst>
   </p:cSld>
@@ -2707,7 +2707,7 @@
             <a:fld id="{F1FA7AC5-6045-4418-8E60-F48788734473}" type="datetimeFigureOut">
               <a:rPr lang="en-US" smtClean="0"/>
               <a:pPr/>
-              <a:t>11/3/2014</a:t>
+              <a:t>11/5/2014</a:t>
             </a:fld>
             <a:endParaRPr lang="en-US"/>
           </a:p>
@@ -2759,7 +2759,7 @@
     </p:spTree>
     <p:extLst>
       <p:ext uri="{BB962C8B-B14F-4D97-AF65-F5344CB8AC3E}">
-        <p14:creationId xmlns="" xmlns:p14="http://schemas.microsoft.com/office/powerpoint/2010/main" val="3201795056"/>
+        <p14:creationId xmlns:p14="http://schemas.microsoft.com/office/powerpoint/2010/main" xmlns="" val="3201795056"/>
       </p:ext>
     </p:extLst>
   </p:cSld>
@@ -2986,7 +2986,7 @@
             <a:fld id="{F1FA7AC5-6045-4418-8E60-F48788734473}" type="datetimeFigureOut">
               <a:rPr lang="en-US" smtClean="0"/>
               <a:pPr/>
-              <a:t>11/3/2014</a:t>
+              <a:t>11/5/2014</a:t>
             </a:fld>
             <a:endParaRPr lang="en-US"/>
           </a:p>
@@ -3038,7 +3038,7 @@
     </p:spTree>
     <p:extLst>
       <p:ext uri="{BB962C8B-B14F-4D97-AF65-F5344CB8AC3E}">
-        <p14:creationId xmlns="" xmlns:p14="http://schemas.microsoft.com/office/powerpoint/2010/main" val="2526201297"/>
+        <p14:creationId xmlns:p14="http://schemas.microsoft.com/office/powerpoint/2010/main" xmlns="" val="2526201297"/>
       </p:ext>
     </p:extLst>
   </p:cSld>
@@ -3241,7 +3241,7 @@
             <a:fld id="{F1FA7AC5-6045-4418-8E60-F48788734473}" type="datetimeFigureOut">
               <a:rPr lang="en-US" smtClean="0"/>
               <a:pPr/>
-              <a:t>11/3/2014</a:t>
+              <a:t>11/5/2014</a:t>
             </a:fld>
             <a:endParaRPr lang="en-US"/>
           </a:p>
@@ -3293,7 +3293,7 @@
     </p:spTree>
     <p:extLst>
       <p:ext uri="{BB962C8B-B14F-4D97-AF65-F5344CB8AC3E}">
-        <p14:creationId xmlns="" xmlns:p14="http://schemas.microsoft.com/office/powerpoint/2010/main" val="242868210"/>
+        <p14:creationId xmlns:p14="http://schemas.microsoft.com/office/powerpoint/2010/main" xmlns="" val="242868210"/>
       </p:ext>
     </p:extLst>
   </p:cSld>
@@ -3456,7 +3456,7 @@
             <a:fld id="{F1FA7AC5-6045-4418-8E60-F48788734473}" type="datetimeFigureOut">
               <a:rPr lang="en-US" smtClean="0"/>
               <a:pPr/>
-              <a:t>11/3/2014</a:t>
+              <a:t>11/5/2014</a:t>
             </a:fld>
             <a:endParaRPr lang="en-US"/>
           </a:p>
@@ -3544,7 +3544,7 @@
     </p:spTree>
     <p:extLst>
       <p:ext uri="{BB962C8B-B14F-4D97-AF65-F5344CB8AC3E}">
-        <p14:creationId xmlns="" xmlns:p14="http://schemas.microsoft.com/office/powerpoint/2010/main" val="3931132979"/>
+        <p14:creationId xmlns:p14="http://schemas.microsoft.com/office/powerpoint/2010/main" xmlns="" val="3931132979"/>
       </p:ext>
     </p:extLst>
   </p:cSld>
@@ -5475,7 +5475,7 @@
     </p:spTree>
     <p:extLst>
       <p:ext uri="{BB962C8B-B14F-4D97-AF65-F5344CB8AC3E}">
-        <p14:creationId xmlns="" xmlns:p14="http://schemas.microsoft.com/office/powerpoint/2010/main" val="461431175"/>
+        <p14:creationId xmlns:p14="http://schemas.microsoft.com/office/powerpoint/2010/main" xmlns="" val="461431175"/>
       </p:ext>
     </p:extLst>
   </p:cSld>
@@ -8453,7 +8453,7 @@
     </p:spTree>
     <p:extLst>
       <p:ext uri="{BB962C8B-B14F-4D97-AF65-F5344CB8AC3E}">
-        <p14:creationId xmlns="" xmlns:p14="http://schemas.microsoft.com/office/powerpoint/2010/main" val="4157082590"/>
+        <p14:creationId xmlns:p14="http://schemas.microsoft.com/office/powerpoint/2010/main" xmlns="" val="4157082590"/>
       </p:ext>
     </p:extLst>
   </p:cSld>
@@ -12996,7 +12996,7 @@
     </p:spTree>
     <p:extLst>
       <p:ext uri="{BB962C8B-B14F-4D97-AF65-F5344CB8AC3E}">
-        <p14:creationId xmlns="" xmlns:p14="http://schemas.microsoft.com/office/powerpoint/2010/main" val="4157082590"/>
+        <p14:creationId xmlns:p14="http://schemas.microsoft.com/office/powerpoint/2010/main" xmlns="" val="4157082590"/>
       </p:ext>
     </p:extLst>
   </p:cSld>
@@ -14465,7 +14465,7 @@
     </p:spTree>
     <p:extLst>
       <p:ext uri="{BB962C8B-B14F-4D97-AF65-F5344CB8AC3E}">
-        <p14:creationId xmlns="" xmlns:p14="http://schemas.microsoft.com/office/powerpoint/2010/main" val="2653181294"/>
+        <p14:creationId xmlns:p14="http://schemas.microsoft.com/office/powerpoint/2010/main" xmlns="" val="2653181294"/>
       </p:ext>
     </p:extLst>
   </p:cSld>
@@ -15440,7 +15440,7 @@
     </p:spTree>
     <p:extLst>
       <p:ext uri="{BB962C8B-B14F-4D97-AF65-F5344CB8AC3E}">
-        <p14:creationId xmlns="" xmlns:p14="http://schemas.microsoft.com/office/powerpoint/2010/main" val="295285881"/>
+        <p14:creationId xmlns:p14="http://schemas.microsoft.com/office/powerpoint/2010/main" xmlns="" val="295285881"/>
       </p:ext>
     </p:extLst>
   </p:cSld>
@@ -17290,11 +17290,7 @@
             <a:pPr algn="ctr"/>
             <a:r>
               <a:rPr lang="en-US" sz="2000" dirty="0" smtClean="0"/>
-              <a:t>ATIVA </a:t>
-            </a:r>
-            <a:r>
-              <a:rPr lang="en-US" sz="2000" dirty="0" smtClean="0"/>
-              <a:t>SKUS e KIT</a:t>
+              <a:t>ATIVA SKUS e KIT</a:t>
             </a:r>
             <a:endParaRPr lang="en-US" sz="2000" dirty="0"/>
           </a:p>
@@ -19099,11 +19095,7 @@
             <a:pPr algn="ctr"/>
             <a:r>
               <a:rPr lang="en-US" sz="2000" dirty="0" smtClean="0"/>
-              <a:t>ASSOCIA </a:t>
-            </a:r>
-            <a:r>
-              <a:rPr lang="en-US" sz="2000" dirty="0" smtClean="0"/>
-              <a:t>SKUs COM SKU KIT</a:t>
+              <a:t>ASSOCIA SKUs COM SKU KIT</a:t>
             </a:r>
             <a:endParaRPr lang="en-US" sz="2000" dirty="0"/>
           </a:p>
@@ -19259,7 +19251,7 @@
     </p:spTree>
     <p:extLst>
       <p:ext uri="{BB962C8B-B14F-4D97-AF65-F5344CB8AC3E}">
-        <p14:creationId xmlns="" xmlns:p14="http://schemas.microsoft.com/office/powerpoint/2010/main" val="4157082590"/>
+        <p14:creationId xmlns:p14="http://schemas.microsoft.com/office/powerpoint/2010/main" xmlns="" val="4157082590"/>
       </p:ext>
     </p:extLst>
   </p:cSld>
@@ -19531,7 +19523,7 @@
   <a:extraClrSchemeLst/>
   <a:extLst>
     <a:ext uri="{05A4C25C-085E-4340-85A3-A5531E510DB2}">
-      <thm15:themeFamily xmlns="" xmlns:thm15="http://schemas.microsoft.com/office/thememl/2012/main" name="Office Theme" id="{62F939B6-93AF-4DB8-9C6B-D6C7DFDC589F}" vid="{4A3C46E8-61CC-4603-A589-7422A47A8E4A}"/>
+      <thm15:themeFamily xmlns:thm15="http://schemas.microsoft.com/office/thememl/2012/main" xmlns="" name="Office Theme" id="{62F939B6-93AF-4DB8-9C6B-D6C7DFDC589F}" vid="{4A3C46E8-61CC-4603-A589-7422A47A8E4A}"/>
     </a:ext>
   </a:extLst>
 </a:theme>
@@ -19792,7 +19784,7 @@
   <a:extraClrSchemeLst/>
   <a:extLst>
     <a:ext uri="{05A4C25C-085E-4340-85A3-A5531E510DB2}">
-      <thm15:themeFamily xmlns="" xmlns:thm15="http://schemas.microsoft.com/office/thememl/2012/main" name="Office Theme" id="{62F939B6-93AF-4DB8-9C6B-D6C7DFDC589F}" vid="{4A3C46E8-61CC-4603-A589-7422A47A8E4A}"/>
+      <thm15:themeFamily xmlns:thm15="http://schemas.microsoft.com/office/thememl/2012/main" xmlns="" name="Office Theme" id="{62F939B6-93AF-4DB8-9C6B-D6C7DFDC589F}" vid="{4A3C46E8-61CC-4603-A589-7422A47A8E4A}"/>
     </a:ext>
   </a:extLst>
 </a:theme>
